--- a/Presentation/lesson-12.pptx
+++ b/Presentation/lesson-12.pptx
@@ -212,7 +212,7 @@
           <a:p>
             <a:fld id="{B24A7054-7FFB-49F4-A126-5DF6E687FF53}" type="datetimeFigureOut">
               <a:rPr lang="ru-RU" smtClean="0"/>
-              <a:t>05.09.2012</a:t>
+              <a:t>01.11.2012</a:t>
             </a:fld>
             <a:endParaRPr lang="ru-RU"/>
           </a:p>
@@ -1275,7 +1275,7 @@
           <a:p>
             <a:fld id="{8E6E6A2A-E9D3-4A0D-B04A-ABDD367A1E08}" type="datetimeFigureOut">
               <a:rPr lang="ru-RU" smtClean="0"/>
-              <a:t>05.09.2012</a:t>
+              <a:t>01.11.2012</a:t>
             </a:fld>
             <a:endParaRPr lang="ru-RU"/>
           </a:p>
@@ -2723,7 +2723,7 @@
           <a:p>
             <a:fld id="{AC3D3127-B7C4-45E3-9797-C527EC9FDD78}" type="datetimeFigureOut">
               <a:rPr lang="ru-RU" smtClean="0"/>
-              <a:t>05.09.2012</a:t>
+              <a:t>01.11.2012</a:t>
             </a:fld>
             <a:endParaRPr lang="ru-RU"/>
           </a:p>
@@ -3273,6 +3273,40 @@
           </a:p>
         </p:txBody>
       </p:sp>
+      <p:sp>
+        <p:nvSpPr>
+          <p:cNvPr id="8" name="TextBox 7"/>
+          <p:cNvSpPr txBox="1"/>
+          <p:nvPr/>
+        </p:nvSpPr>
+        <p:spPr>
+          <a:xfrm>
+            <a:off x="3120449" y="5589240"/>
+            <a:ext cx="2903102" cy="369332"/>
+          </a:xfrm>
+          <a:prstGeom prst="rect">
+            <a:avLst/>
+          </a:prstGeom>
+          <a:noFill/>
+        </p:spPr>
+        <p:txBody>
+          <a:bodyPr wrap="none" rtlCol="0">
+            <a:spAutoFit/>
+          </a:bodyPr>
+          <a:lstStyle/>
+          <a:p>
+            <a:r>
+              <a:rPr lang="en-US" dirty="0">
+                <a:solidFill>
+                  <a:schemeClr val="bg1"/>
+                </a:solidFill>
+              </a:rPr>
+              <a:t>http://vk.com/club33848893</a:t>
+            </a:r>
+            <a:endParaRPr lang="en-US" dirty="0"/>
+          </a:p>
+        </p:txBody>
+      </p:sp>
     </p:spTree>
     <p:extLst>
       <p:ext uri="{BB962C8B-B14F-4D97-AF65-F5344CB8AC3E}">
@@ -3625,7 +3659,6 @@
               <a:rPr lang="en-US" dirty="0"/>
               <a:t>Application Markup Language (BAML).</a:t>
             </a:r>
-            <a:endParaRPr lang="en-US" dirty="0"/>
           </a:p>
         </p:txBody>
       </p:sp>
@@ -4056,7 +4089,6 @@
               <a:rPr lang="en-US" sz="3200" dirty="0" smtClean="0"/>
               <a:t>Window, Page, Application</a:t>
             </a:r>
-            <a:endParaRPr lang="en-US" sz="3200" dirty="0" smtClean="0"/>
           </a:p>
         </p:txBody>
       </p:sp>
@@ -6753,7 +6785,6 @@
               <a:rPr lang="en-US" dirty="0"/>
               <a:t>978-1-4302-7205-2</a:t>
             </a:r>
-            <a:endParaRPr lang="en-US" dirty="0"/>
           </a:p>
         </p:txBody>
       </p:sp>

--- a/Presentation/lesson-12.pptx
+++ b/Presentation/lesson-12.pptx
@@ -212,7 +212,7 @@
           <a:p>
             <a:fld id="{B24A7054-7FFB-49F4-A126-5DF6E687FF53}" type="datetimeFigureOut">
               <a:rPr lang="ru-RU" smtClean="0"/>
-              <a:t>01.11.2012</a:t>
+              <a:t>06.11.2012</a:t>
             </a:fld>
             <a:endParaRPr lang="ru-RU"/>
           </a:p>
@@ -1275,7 +1275,7 @@
           <a:p>
             <a:fld id="{8E6E6A2A-E9D3-4A0D-B04A-ABDD367A1E08}" type="datetimeFigureOut">
               <a:rPr lang="ru-RU" smtClean="0"/>
-              <a:t>01.11.2012</a:t>
+              <a:t>06.11.2012</a:t>
             </a:fld>
             <a:endParaRPr lang="ru-RU"/>
           </a:p>
@@ -2723,7 +2723,7 @@
           <a:p>
             <a:fld id="{AC3D3127-B7C4-45E3-9797-C527EC9FDD78}" type="datetimeFigureOut">
               <a:rPr lang="ru-RU" smtClean="0"/>
-              <a:t>01.11.2012</a:t>
+              <a:t>06.11.2012</a:t>
             </a:fld>
             <a:endParaRPr lang="ru-RU"/>
           </a:p>
@@ -3270,40 +3270,6 @@
                 <a:schemeClr val="bg1"/>
               </a:solidFill>
             </a:endParaRPr>
-          </a:p>
-        </p:txBody>
-      </p:sp>
-      <p:sp>
-        <p:nvSpPr>
-          <p:cNvPr id="8" name="TextBox 7"/>
-          <p:cNvSpPr txBox="1"/>
-          <p:nvPr/>
-        </p:nvSpPr>
-        <p:spPr>
-          <a:xfrm>
-            <a:off x="3120449" y="5589240"/>
-            <a:ext cx="2903102" cy="369332"/>
-          </a:xfrm>
-          <a:prstGeom prst="rect">
-            <a:avLst/>
-          </a:prstGeom>
-          <a:noFill/>
-        </p:spPr>
-        <p:txBody>
-          <a:bodyPr wrap="none" rtlCol="0">
-            <a:spAutoFit/>
-          </a:bodyPr>
-          <a:lstStyle/>
-          <a:p>
-            <a:r>
-              <a:rPr lang="en-US" dirty="0">
-                <a:solidFill>
-                  <a:schemeClr val="bg1"/>
-                </a:solidFill>
-              </a:rPr>
-              <a:t>http://vk.com/club33848893</a:t>
-            </a:r>
-            <a:endParaRPr lang="en-US" dirty="0"/>
           </a:p>
         </p:txBody>
       </p:sp>

--- a/Presentation/lesson-12.pptx
+++ b/Presentation/lesson-12.pptx
@@ -212,7 +212,7 @@
           <a:p>
             <a:fld id="{B24A7054-7FFB-49F4-A126-5DF6E687FF53}" type="datetimeFigureOut">
               <a:rPr lang="ru-RU" smtClean="0"/>
-              <a:t>06.11.2012</a:t>
+              <a:t>22.12.2012</a:t>
             </a:fld>
             <a:endParaRPr lang="ru-RU"/>
           </a:p>
@@ -1275,7 +1275,7 @@
           <a:p>
             <a:fld id="{8E6E6A2A-E9D3-4A0D-B04A-ABDD367A1E08}" type="datetimeFigureOut">
               <a:rPr lang="ru-RU" smtClean="0"/>
-              <a:t>06.11.2012</a:t>
+              <a:t>22.12.2012</a:t>
             </a:fld>
             <a:endParaRPr lang="ru-RU"/>
           </a:p>
@@ -2723,7 +2723,7 @@
           <a:p>
             <a:fld id="{AC3D3127-B7C4-45E3-9797-C527EC9FDD78}" type="datetimeFigureOut">
               <a:rPr lang="ru-RU" smtClean="0"/>
-              <a:t>06.11.2012</a:t>
+              <a:t>22.12.2012</a:t>
             </a:fld>
             <a:endParaRPr lang="ru-RU"/>
           </a:p>
@@ -3466,6 +3466,13 @@
   <p:clrMapOvr>
     <a:masterClrMapping/>
   </p:clrMapOvr>
+  <p:timing>
+    <p:tnLst>
+      <p:par>
+        <p:cTn id="1" dur="indefinite" restart="never" nodeType="tmRoot"/>
+      </p:par>
+    </p:tnLst>
+  </p:timing>
 </p:sld>
 </file>
 
@@ -3580,6 +3587,13 @@
   <p:clrMapOvr>
     <a:masterClrMapping/>
   </p:clrMapOvr>
+  <p:timing>
+    <p:tnLst>
+      <p:par>
+        <p:cTn id="1" dur="indefinite" restart="never" nodeType="tmRoot"/>
+      </p:par>
+    </p:tnLst>
+  </p:timing>
 </p:sld>
 </file>
 
@@ -3655,7 +3669,19 @@
           <a:p>
             <a:r>
               <a:rPr lang="ru-RU" dirty="0" smtClean="0"/>
-              <a:t>Хранится в ресурасх сборки</a:t>
+              <a:t>Хранится </a:t>
+            </a:r>
+            <a:r>
+              <a:rPr lang="ru-RU" smtClean="0"/>
+              <a:t>в </a:t>
+            </a:r>
+            <a:r>
+              <a:rPr lang="ru-RU" smtClean="0"/>
+              <a:t>ресурсах </a:t>
+            </a:r>
+            <a:r>
+              <a:rPr lang="ru-RU" dirty="0" smtClean="0"/>
+              <a:t>сборки</a:t>
             </a:r>
             <a:endParaRPr lang="en-US" dirty="0"/>
           </a:p>
@@ -3671,6 +3697,13 @@
   <p:clrMapOvr>
     <a:masterClrMapping/>
   </p:clrMapOvr>
+  <p:timing>
+    <p:tnLst>
+      <p:par>
+        <p:cTn id="1" dur="indefinite" restart="never" nodeType="tmRoot"/>
+      </p:par>
+    </p:tnLst>
+  </p:timing>
 </p:sld>
 </file>
 
@@ -4068,6 +4101,13 @@
   <p:clrMapOvr>
     <a:masterClrMapping/>
   </p:clrMapOvr>
+  <p:timing>
+    <p:tnLst>
+      <p:par>
+        <p:cTn id="1" dur="indefinite" restart="never" nodeType="tmRoot"/>
+      </p:par>
+    </p:tnLst>
+  </p:timing>
 </p:sld>
 </file>
 
@@ -4313,6 +4353,13 @@
   <p:clrMapOvr>
     <a:masterClrMapping/>
   </p:clrMapOvr>
+  <p:timing>
+    <p:tnLst>
+      <p:par>
+        <p:cTn id="1" dur="indefinite" restart="never" nodeType="tmRoot"/>
+      </p:par>
+    </p:tnLst>
+  </p:timing>
 </p:sld>
 </file>
 
@@ -4505,6 +4552,13 @@
   <p:clrMapOvr>
     <a:masterClrMapping/>
   </p:clrMapOvr>
+  <p:timing>
+    <p:tnLst>
+      <p:par>
+        <p:cTn id="1" dur="indefinite" restart="never" nodeType="tmRoot"/>
+      </p:par>
+    </p:tnLst>
+  </p:timing>
 </p:sld>
 </file>
 
@@ -6764,6 +6818,13 @@
   <p:clrMapOvr>
     <a:masterClrMapping/>
   </p:clrMapOvr>
+  <p:timing>
+    <p:tnLst>
+      <p:par>
+        <p:cTn id="1" dur="indefinite" restart="never" nodeType="tmRoot"/>
+      </p:par>
+    </p:tnLst>
+  </p:timing>
 </p:sld>
 </file>
 
@@ -6851,6 +6912,13 @@
   <p:clrMapOvr>
     <a:masterClrMapping/>
   </p:clrMapOvr>
+  <p:timing>
+    <p:tnLst>
+      <p:par>
+        <p:cTn id="1" dur="indefinite" restart="never" nodeType="tmRoot"/>
+      </p:par>
+    </p:tnLst>
+  </p:timing>
 </p:sld>
 </file>
 
@@ -6985,6 +7053,13 @@
   <p:clrMapOvr>
     <a:masterClrMapping/>
   </p:clrMapOvr>
+  <p:timing>
+    <p:tnLst>
+      <p:par>
+        <p:cTn id="1" dur="indefinite" restart="never" nodeType="tmRoot"/>
+      </p:par>
+    </p:tnLst>
+  </p:timing>
 </p:sld>
 </file>
 
@@ -7172,6 +7247,13 @@
   <p:clrMapOvr>
     <a:masterClrMapping/>
   </p:clrMapOvr>
+  <p:timing>
+    <p:tnLst>
+      <p:par>
+        <p:cTn id="1" dur="indefinite" restart="never" nodeType="tmRoot"/>
+      </p:par>
+    </p:tnLst>
+  </p:timing>
 </p:sld>
 </file>
 
@@ -7264,6 +7346,13 @@
   <p:clrMapOvr>
     <a:masterClrMapping/>
   </p:clrMapOvr>
+  <p:timing>
+    <p:tnLst>
+      <p:par>
+        <p:cTn id="1" dur="indefinite" restart="never" nodeType="tmRoot"/>
+      </p:par>
+    </p:tnLst>
+  </p:timing>
 </p:sld>
 </file>
 
@@ -7405,6 +7494,13 @@
   <p:clrMapOvr>
     <a:masterClrMapping/>
   </p:clrMapOvr>
+  <p:timing>
+    <p:tnLst>
+      <p:par>
+        <p:cTn id="1" dur="indefinite" restart="never" nodeType="tmRoot"/>
+      </p:par>
+    </p:tnLst>
+  </p:timing>
 </p:sld>
 </file>
 
@@ -7587,6 +7683,13 @@
   <p:clrMapOvr>
     <a:masterClrMapping/>
   </p:clrMapOvr>
+  <p:timing>
+    <p:tnLst>
+      <p:par>
+        <p:cTn id="1" dur="indefinite" restart="never" nodeType="tmRoot"/>
+      </p:par>
+    </p:tnLst>
+  </p:timing>
 </p:sld>
 </file>
 
